--- a/ppt1.pptx
+++ b/ppt1.pptx
@@ -307,7 +307,7 @@
                 <a:latin typeface="Arial" panose="020B0604020202020204"/>
                 <a:cs typeface="Arial" panose="020B0604020202020204"/>
               </a:rPr>
-              <a:t>7/30/2023</a:t>
+              <a:t>7/31/2023</a:t>
             </a:fld>
             <a:endParaRPr lang="en-US" dirty="0">
               <a:latin typeface="Arial" panose="020B0604020202020204"/>
@@ -491,7 +491,7 @@
           <a:p>
             <a:fld id="{73B26A0F-F4D6-9B4F-A87B-D8948CDE3BB4}" type="datetimeFigureOut">
               <a:rPr lang="en-US" smtClean="0"/>
-              <a:t>7/30/2023</a:t>
+              <a:t>7/31/2023</a:t>
             </a:fld>
             <a:endParaRPr lang="en-US" dirty="0"/>
           </a:p>
@@ -1741,7 +1741,7 @@
                   <a:schemeClr val="tx1"/>
                 </a:solidFill>
               </a:rPr>
-              <a:t>July 30, 2023</a:t>
+              <a:t>July 31, 2023</a:t>
             </a:fld>
             <a:endParaRPr lang="en-US" sz="1400" b="0" dirty="0">
               <a:solidFill>
@@ -3327,7 +3327,7 @@
                   <a:schemeClr val="tx1"/>
                 </a:solidFill>
               </a:rPr>
-              <a:t>July 30, 2023</a:t>
+              <a:t>July 31, 2023</a:t>
             </a:fld>
             <a:endParaRPr lang="en-US" sz="1400" b="0" dirty="0">
               <a:solidFill>
@@ -4659,7 +4659,7 @@
                   <a:schemeClr val="bg1"/>
                 </a:solidFill>
               </a:rPr>
-              <a:t>July 30, 2023</a:t>
+              <a:t>July 31, 2023</a:t>
             </a:fld>
             <a:endParaRPr lang="en-US" sz="1100" b="0" dirty="0">
               <a:solidFill>
@@ -7711,10 +7711,10 @@
       </p:pic>
       <p:pic>
         <p:nvPicPr>
-          <p:cNvPr id="5" name="Picture 4">
+          <p:cNvPr id="4" name="Picture 3">
             <a:extLst>
               <a:ext uri="{FF2B5EF4-FFF2-40B4-BE49-F238E27FC236}">
-                <a16:creationId xmlns:a16="http://schemas.microsoft.com/office/drawing/2014/main" id="{84B8081E-3B99-04F3-CC7C-E631A64C017A}"/>
+                <a16:creationId xmlns:a16="http://schemas.microsoft.com/office/drawing/2014/main" id="{B4E74CAD-6272-8BC8-9DF9-48AF554ABE88}"/>
               </a:ext>
             </a:extLst>
           </p:cNvPr>
@@ -7731,8 +7731,8 @@
         </p:blipFill>
         <p:spPr>
           <a:xfrm>
-            <a:off x="1877699" y="1306488"/>
-            <a:ext cx="9974006" cy="3173547"/>
+            <a:off x="1905492" y="1522512"/>
+            <a:ext cx="9541067" cy="2880610"/>
           </a:xfrm>
           <a:prstGeom prst="rect">
             <a:avLst/>
@@ -7741,10 +7741,10 @@
       </p:pic>
       <p:pic>
         <p:nvPicPr>
-          <p:cNvPr id="11" name="Picture 10">
+          <p:cNvPr id="8" name="Picture 7">
             <a:extLst>
               <a:ext uri="{FF2B5EF4-FFF2-40B4-BE49-F238E27FC236}">
-                <a16:creationId xmlns:a16="http://schemas.microsoft.com/office/drawing/2014/main" id="{FEE6E2FD-6840-FB1C-9576-28159CA7DFBE}"/>
+                <a16:creationId xmlns:a16="http://schemas.microsoft.com/office/drawing/2014/main" id="{51380253-8C75-D8DC-0446-C8144F906B96}"/>
               </a:ext>
             </a:extLst>
           </p:cNvPr>
@@ -7761,8 +7761,8 @@
         </p:blipFill>
         <p:spPr>
           <a:xfrm>
-            <a:off x="1896345" y="4471007"/>
-            <a:ext cx="9974006" cy="3033023"/>
+            <a:off x="1882838" y="4585854"/>
+            <a:ext cx="9510584" cy="2903472"/>
           </a:xfrm>
           <a:prstGeom prst="rect">
             <a:avLst/>

--- a/ppt1.pptx
+++ b/ppt1.pptx
@@ -307,7 +307,7 @@
                 <a:latin typeface="Arial" panose="020B0604020202020204"/>
                 <a:cs typeface="Arial" panose="020B0604020202020204"/>
               </a:rPr>
-              <a:t>7/31/2023</a:t>
+              <a:t>8/3/2023</a:t>
             </a:fld>
             <a:endParaRPr lang="en-US" dirty="0">
               <a:latin typeface="Arial" panose="020B0604020202020204"/>
@@ -491,7 +491,7 @@
           <a:p>
             <a:fld id="{73B26A0F-F4D6-9B4F-A87B-D8948CDE3BB4}" type="datetimeFigureOut">
               <a:rPr lang="en-US" smtClean="0"/>
-              <a:t>7/31/2023</a:t>
+              <a:t>8/3/2023</a:t>
             </a:fld>
             <a:endParaRPr lang="en-US" dirty="0"/>
           </a:p>
@@ -1741,7 +1741,7 @@
                   <a:schemeClr val="tx1"/>
                 </a:solidFill>
               </a:rPr>
-              <a:t>July 31, 2023</a:t>
+              <a:t>August 3, 2023</a:t>
             </a:fld>
             <a:endParaRPr lang="en-US" sz="1400" b="0" dirty="0">
               <a:solidFill>
@@ -3327,7 +3327,7 @@
                   <a:schemeClr val="tx1"/>
                 </a:solidFill>
               </a:rPr>
-              <a:t>July 31, 2023</a:t>
+              <a:t>August 3, 2023</a:t>
             </a:fld>
             <a:endParaRPr lang="en-US" sz="1400" b="0" dirty="0">
               <a:solidFill>
@@ -4659,7 +4659,7 @@
                   <a:schemeClr val="bg1"/>
                 </a:solidFill>
               </a:rPr>
-              <a:t>July 31, 2023</a:t>
+              <a:t>August 3, 2023</a:t>
             </a:fld>
             <a:endParaRPr lang="en-US" sz="1100" b="0" dirty="0">
               <a:solidFill>
@@ -5468,7 +5468,7 @@
         </p:spPr>
         <p:txBody>
           <a:bodyPr>
-            <a:normAutofit/>
+            <a:normAutofit fontScale="92500" lnSpcReduction="10000"/>
           </a:bodyPr>
           <a:lstStyle>
             <a:lvl1pPr marL="342900" indent="-342900" algn="l" rtl="0" eaLnBrk="0" fontAlgn="base" hangingPunct="0">
@@ -5635,7 +5635,7 @@
                 </a:solidFill>
                 <a:latin typeface="Arial" panose="020B0604020202020204"/>
               </a:rPr>
-              <a:t>Student Name: K J V Kumar</a:t>
+              <a:t>Student Name: K Jnanendra Venkata 	     Kumar</a:t>
             </a:r>
           </a:p>
           <a:p>
